--- a/Soft-Skill Assignment/Module-4 HR Questions.pptx
+++ b/Soft-Skill Assignment/Module-4 HR Questions.pptx
@@ -107,6 +107,11 @@
       </a:defRPr>
     </a:lvl9pPr>
   </p:defaultTextStyle>
+  <p:extLst>
+    <p:ext uri="{EFAFB233-063F-42B5-8137-9DF3F51BA10A}">
+      <p15:sldGuideLst xmlns:p15="http://schemas.microsoft.com/office/powerpoint/2012/main"/>
+    </p:ext>
+  </p:extLst>
 </p:presentation>
 </file>
 
@@ -6231,7 +6236,7 @@
         <p:spPr>
           <a:xfrm>
             <a:off x="1430155" y="2700596"/>
-            <a:ext cx="7766936" cy="2965265"/>
+            <a:ext cx="7766936" cy="3794208"/>
           </a:xfrm>
         </p:spPr>
         <p:txBody>
@@ -6289,7 +6294,31 @@
               </a:rPr>
               <a:t> , I want to secure my job in 		a growing culture. </a:t>
             </a:r>
-            <a:endParaRPr lang="en-IN" sz="2800" dirty="0">
+            <a:endParaRPr lang="en-GB" sz="2800" dirty="0" smtClean="0">
+              <a:solidFill>
+                <a:srgbClr val="7030A0"/>
+              </a:solidFill>
+            </a:endParaRPr>
+          </a:p>
+          <a:p>
+            <a:pPr algn="l"/>
+            <a:r>
+              <a:rPr lang="en-GB" sz="2800" dirty="0">
+                <a:solidFill>
+                  <a:srgbClr val="00B0F0"/>
+                </a:solidFill>
+              </a:rPr>
+              <a:t>https://youtube.com/shorts/Ri68b5PdNik?si=LjRZFBSTPvAFWgDU</a:t>
+            </a:r>
+            <a:endParaRPr lang="en-GB" sz="2800" dirty="0" smtClean="0">
+              <a:solidFill>
+                <a:srgbClr val="00B0F0"/>
+              </a:solidFill>
+            </a:endParaRPr>
+          </a:p>
+          <a:p>
+            <a:pPr algn="l"/>
+            <a:endParaRPr lang="en-GB" sz="2800" dirty="0">
               <a:solidFill>
                 <a:srgbClr val="7030A0"/>
               </a:solidFill>
